--- a/Covid Presentation Doc.pptx
+++ b/Covid Presentation Doc.pptx
@@ -30,27 +30,9 @@
   <p:notesSz cx="6858000" cy="9144000"/>
   <p:embeddedFontLst>
     <p:embeddedFont>
-      <p:font typeface="Aptos" panose="020B0004020202020204" pitchFamily="34" charset="0"/>
+      <p:font typeface="Play" pitchFamily="2" charset="0"/>
       <p:regular r:id="rId20"/>
       <p:bold r:id="rId21"/>
-      <p:italic r:id="rId22"/>
-      <p:boldItalic r:id="rId23"/>
-    </p:embeddedFont>
-    <p:embeddedFont>
-      <p:font typeface="Aptos Display" panose="020B0004020202020204" pitchFamily="34" charset="0"/>
-      <p:regular r:id="rId24"/>
-    </p:embeddedFont>
-    <p:embeddedFont>
-      <p:font typeface="Calibri" panose="020F0502020204030204" pitchFamily="34" charset="0"/>
-      <p:regular r:id="rId25"/>
-      <p:bold r:id="rId26"/>
-      <p:italic r:id="rId27"/>
-      <p:boldItalic r:id="rId28"/>
-    </p:embeddedFont>
-    <p:embeddedFont>
-      <p:font typeface="Play" pitchFamily="2" charset="0"/>
-      <p:regular r:id="rId29"/>
-      <p:bold r:id="rId30"/>
     </p:embeddedFont>
   </p:embeddedFontLst>
   <p:defaultTextStyle>
@@ -298,7 +280,7 @@
       </p15:sldGuideLst>
     </p:ext>
     <p:ext uri="GoogleSlidesCustomDataVersion2">
-      <go:slidesCustomData xmlns:go="http://customooxmlschemas.google.com/" xmlns:ahyp="http://schemas.microsoft.com/office/drawing/2018/hyperlinkcolor" xmlns:p15="http://schemas.microsoft.com/office/powerpoint/2012/main" xmlns:p14="http://schemas.microsoft.com/office/powerpoint/2010/main" xmlns:com="http://schemas.openxmlformats.org/drawingml/2006/compatibility" xmlns:pvml="urn:schemas-microsoft-com:office:powerpoint" xmlns:v="urn:schemas-microsoft-com:vml" xmlns:o="urn:schemas-microsoft-com:office:office" xmlns:dgm="http://schemas.openxmlformats.org/drawingml/2006/diagram" xmlns:c="http://schemas.openxmlformats.org/drawingml/2006/chart" xmlns:mv="urn:schemas-microsoft-com:mac:vml" xmlns:mc="http://schemas.openxmlformats.org/markup-compatibility/2006" xmlns="" r:id="rId31" roundtripDataSignature="AMtx7mgzMNu72re7JBxNAXeCvtYY0cCcXQ=="/>
+      <go:slidesCustomData xmlns="" xmlns:mc="http://schemas.openxmlformats.org/markup-compatibility/2006" xmlns:mv="urn:schemas-microsoft-com:mac:vml" xmlns:c="http://schemas.openxmlformats.org/drawingml/2006/chart" xmlns:dgm="http://schemas.openxmlformats.org/drawingml/2006/diagram" xmlns:o="urn:schemas-microsoft-com:office:office" xmlns:v="urn:schemas-microsoft-com:vml" xmlns:pvml="urn:schemas-microsoft-com:office:powerpoint" xmlns:com="http://schemas.openxmlformats.org/drawingml/2006/compatibility" xmlns:p14="http://schemas.microsoft.com/office/powerpoint/2010/main" xmlns:p15="http://schemas.microsoft.com/office/powerpoint/2012/main" xmlns:ahyp="http://schemas.microsoft.com/office/drawing/2018/hyperlinkcolor" xmlns:go="http://customooxmlschemas.google.com/" r:id="rId31" roundtripDataSignature="AMtx7mgzMNu72re7JBxNAXeCvtYY0cCcXQ=="/>
     </p:ext>
   </p:extLst>
 </p:presentation>
@@ -1852,8 +1834,8 @@
         </p:nvSpPr>
         <p:spPr>
           <a:xfrm>
-            <a:off x="1143225" y="685800"/>
-            <a:ext cx="4572225" cy="3429000"/>
+            <a:off x="381000" y="685800"/>
+            <a:ext cx="6096000" cy="3429000"/>
           </a:xfrm>
           <a:custGeom>
             <a:avLst/>
@@ -13740,7 +13722,7 @@
           <a:p>
             <a:fld id="{41E98A07-F963-BB45-84D9-9AF4A9503F41}" type="datetimeFigureOut">
               <a:rPr lang="en-US" smtClean="0"/>
-              <a:t>4/7/24</a:t>
+              <a:t>4/8/24</a:t>
             </a:fld>
             <a:endParaRPr lang="en-US"/>
           </a:p>
@@ -13938,7 +13920,7 @@
           <a:p>
             <a:fld id="{41E98A07-F963-BB45-84D9-9AF4A9503F41}" type="datetimeFigureOut">
               <a:rPr lang="en-US" smtClean="0"/>
-              <a:t>4/7/24</a:t>
+              <a:t>4/8/24</a:t>
             </a:fld>
             <a:endParaRPr lang="en-US"/>
           </a:p>
@@ -14213,7 +14195,7 @@
           <a:p>
             <a:fld id="{41E98A07-F963-BB45-84D9-9AF4A9503F41}" type="datetimeFigureOut">
               <a:rPr lang="en-US" smtClean="0"/>
-              <a:t>4/7/24</a:t>
+              <a:t>4/8/24</a:t>
             </a:fld>
             <a:endParaRPr lang="en-US"/>
           </a:p>
@@ -14478,7 +14460,7 @@
           <a:p>
             <a:fld id="{41E98A07-F963-BB45-84D9-9AF4A9503F41}" type="datetimeFigureOut">
               <a:rPr lang="en-US" smtClean="0"/>
-              <a:t>4/7/24</a:t>
+              <a:t>4/8/24</a:t>
             </a:fld>
             <a:endParaRPr lang="en-US"/>
           </a:p>
@@ -14890,7 +14872,7 @@
           <a:p>
             <a:fld id="{41E98A07-F963-BB45-84D9-9AF4A9503F41}" type="datetimeFigureOut">
               <a:rPr lang="en-US" smtClean="0"/>
-              <a:t>4/7/24</a:t>
+              <a:t>4/8/24</a:t>
             </a:fld>
             <a:endParaRPr lang="en-US"/>
           </a:p>
@@ -15031,7 +15013,7 @@
           <a:p>
             <a:fld id="{41E98A07-F963-BB45-84D9-9AF4A9503F41}" type="datetimeFigureOut">
               <a:rPr lang="en-US" smtClean="0"/>
-              <a:t>4/7/24</a:t>
+              <a:t>4/8/24</a:t>
             </a:fld>
             <a:endParaRPr lang="en-US"/>
           </a:p>
@@ -15144,7 +15126,7 @@
           <a:p>
             <a:fld id="{41E98A07-F963-BB45-84D9-9AF4A9503F41}" type="datetimeFigureOut">
               <a:rPr lang="en-US" smtClean="0"/>
-              <a:t>4/7/24</a:t>
+              <a:t>4/8/24</a:t>
             </a:fld>
             <a:endParaRPr lang="en-US"/>
           </a:p>
@@ -16219,7 +16201,7 @@
           <a:p>
             <a:fld id="{41E98A07-F963-BB45-84D9-9AF4A9503F41}" type="datetimeFigureOut">
               <a:rPr lang="en-US" smtClean="0"/>
-              <a:t>4/7/24</a:t>
+              <a:t>4/8/24</a:t>
             </a:fld>
             <a:endParaRPr lang="en-US"/>
           </a:p>
@@ -16507,7 +16489,7 @@
           <a:p>
             <a:fld id="{41E98A07-F963-BB45-84D9-9AF4A9503F41}" type="datetimeFigureOut">
               <a:rPr lang="en-US" smtClean="0"/>
-              <a:t>4/7/24</a:t>
+              <a:t>4/8/24</a:t>
             </a:fld>
             <a:endParaRPr lang="en-US"/>
           </a:p>
@@ -16705,7 +16687,7 @@
           <a:p>
             <a:fld id="{41E98A07-F963-BB45-84D9-9AF4A9503F41}" type="datetimeFigureOut">
               <a:rPr lang="en-US" smtClean="0"/>
-              <a:t>4/7/24</a:t>
+              <a:t>4/8/24</a:t>
             </a:fld>
             <a:endParaRPr lang="en-US"/>
           </a:p>
@@ -16913,7 +16895,7 @@
           <a:p>
             <a:fld id="{41E98A07-F963-BB45-84D9-9AF4A9503F41}" type="datetimeFigureOut">
               <a:rPr lang="en-US" smtClean="0"/>
-              <a:t>4/7/24</a:t>
+              <a:t>4/8/24</a:t>
             </a:fld>
             <a:endParaRPr lang="en-US"/>
           </a:p>
@@ -25448,7 +25430,7 @@
           <a:p>
             <a:fld id="{41E98A07-F963-BB45-84D9-9AF4A9503F41}" type="datetimeFigureOut">
               <a:rPr lang="en-US" smtClean="0"/>
-              <a:t>4/7/24</a:t>
+              <a:t>4/8/24</a:t>
             </a:fld>
             <a:endParaRPr lang="en-US"/>
           </a:p>
@@ -26398,7 +26380,7 @@
               <a:buChar char="•"/>
             </a:pPr>
             <a:r>
-              <a:rPr lang="en-US" sz="1800">
+              <a:rPr lang="en-US" sz="1800" dirty="0">
                 <a:solidFill>
                   <a:schemeClr val="dk1"/>
                 </a:solidFill>
@@ -26409,7 +26391,7 @@
               </a:rPr>
               <a:t>Other than 2020, the amount deaths caused by COVID-19 tended to be the greatest in the beginning and end of months, with January and December tending to have the greatest among of deaths caused by COVID-19</a:t>
             </a:r>
-            <a:endParaRPr/>
+            <a:endParaRPr dirty="0"/>
           </a:p>
           <a:p>
             <a:pPr marL="285750" marR="0" lvl="0" indent="-285750" algn="l" rtl="0">
@@ -26427,7 +26409,7 @@
               <a:buChar char="•"/>
             </a:pPr>
             <a:r>
-              <a:rPr lang="en-US" sz="1800">
+              <a:rPr lang="en-US" sz="1800" dirty="0">
                 <a:solidFill>
                   <a:schemeClr val="dk1"/>
                 </a:solidFill>
@@ -26438,7 +26420,7 @@
               </a:rPr>
               <a:t>From 2020-2023, the amount of deaths caused by COVID-19 significantly dropped with 2023 having significantly less deaths than 2020, due to effective healthcare and safety precautions</a:t>
             </a:r>
-            <a:endParaRPr/>
+            <a:endParaRPr dirty="0"/>
           </a:p>
         </p:txBody>
       </p:sp>
@@ -29049,7 +29031,7 @@
         <p:spPr>
           <a:xfrm>
             <a:off x="7357241" y="2091524"/>
-            <a:ext cx="4487917" cy="2246769"/>
+            <a:ext cx="4487917" cy="1631175"/>
           </a:xfrm>
           <a:prstGeom prst="rect">
             <a:avLst/>
@@ -29075,7 +29057,7 @@
               <a:buNone/>
             </a:pPr>
             <a:r>
-              <a:rPr lang="en-US" sz="2000">
+              <a:rPr lang="en-US" sz="2000" dirty="0">
                 <a:solidFill>
                   <a:schemeClr val="dk1"/>
                 </a:solidFill>
@@ -29084,9 +29066,37 @@
                 <a:cs typeface="Arial"/>
                 <a:sym typeface="Arial"/>
               </a:rPr>
-              <a:t>The total overall death rate and the total COVID-19 death rate in the United States and New Jersey respectively are relatively the same. In comparison there is a 7% difference in the COVID-19 death rate where NJ trended slightly higher than the US.</a:t>
+              <a:t>The total overall death rate in </a:t>
             </a:r>
-            <a:endParaRPr/>
+            <a:r>
+              <a:rPr lang="en-US" sz="2000" dirty="0">
+                <a:solidFill>
+                  <a:schemeClr val="dk1"/>
+                </a:solidFill>
+              </a:rPr>
+              <a:t>NJ vs COVID deaths are 10% of </a:t>
+            </a:r>
+            <a:r>
+              <a:rPr lang="en-US" sz="2000" dirty="0">
+                <a:solidFill>
+                  <a:schemeClr val="dk1"/>
+                </a:solidFill>
+                <a:latin typeface="Arial"/>
+                <a:ea typeface="Arial"/>
+                <a:cs typeface="Arial"/>
+                <a:sym typeface="Arial"/>
+              </a:rPr>
+              <a:t>the total population. COVID-19 death rate </a:t>
+            </a:r>
+            <a:r>
+              <a:rPr lang="en-US" sz="2000" dirty="0">
+                <a:solidFill>
+                  <a:schemeClr val="dk1"/>
+                </a:solidFill>
+              </a:rPr>
+              <a:t>comparison shows that NJ had 3% of overall COVID-19 Deaths.</a:t>
+            </a:r>
+            <a:endParaRPr dirty="0"/>
           </a:p>
         </p:txBody>
       </p:sp>
